--- a/Joandora.pptx
+++ b/Joandora.pptx
@@ -2,7 +2,7 @@
 <file path=ppt/presentation.xml><?xml version="1.0" encoding="utf-8"?>
 <p:presentation xmlns:a="http://schemas.openxmlformats.org/drawingml/2006/main" xmlns:r="http://schemas.openxmlformats.org/officeDocument/2006/relationships" xmlns:p="http://schemas.openxmlformats.org/presentationml/2006/main" xmlns:p14="http://schemas.microsoft.com/office/powerpoint/2010/main" saveSubsetFonts="1">
   <p:sldMasterIdLst>
-    <p:sldMasterId id="2147483667" r:id="rId13"/>
+    <p:sldMasterId id="2147483668" r:id="rId13"/>
   </p:sldMasterIdLst>
   <p:notesMasterIdLst>
     <p:notesMasterId r:id="rId17"/>
@@ -3581,7 +3581,7 @@
       </p:grpSpPr>
       <p:pic>
         <p:nvPicPr>
-          <p:cNvPr id="2" name="그림 6" descr="C:/Users/s_dai/AppData/Roaming/PolarisOffice/ETemp/3884_18935136/fImage13512809641.png"/>
+          <p:cNvPr id="2" name="그림 6"/>
           <p:cNvPicPr>
             <a:picLocks noChangeAspect="1"/>
           </p:cNvPicPr>
@@ -3608,6 +3608,81 @@
           <a:noFill/>
         </p:spPr>
       </p:pic>
+      <p:sp>
+        <p:nvSpPr>
+          <p:cNvPr id="3" name="텍스트 상자 1"/>
+          <p:cNvSpPr txBox="1">
+            <a:spLocks/>
+          </p:cNvSpPr>
+          <p:nvPr/>
+        </p:nvSpPr>
+        <p:spPr>
+          <a:xfrm rot="0">
+            <a:off x="10745470" y="451485"/>
+            <a:ext cx="252095" cy="46990"/>
+          </a:xfrm>
+          <a:prstGeom prst="rect"/>
+          <a:noFill/>
+          <a:ln w="0">
+            <a:noFill/>
+            <a:prstDash/>
+          </a:ln>
+        </p:spPr>
+        <p:txBody>
+          <a:bodyPr wrap="square" lIns="89535" tIns="46355" rIns="89535" bIns="46355" vert="eaVert" anchor="t">
+            <a:spAutoFit/>
+          </a:bodyPr>
+          <a:lstStyle/>
+          <a:p>
+            <a:pPr marL="0" indent="0" algn="l" hangingPunct="1"/>
+            <a:endParaRPr lang="ko-KR" altLang="en-US" sz="1800">
+              <a:latin typeface="맑은 고딕" charset="0"/>
+              <a:ea typeface="맑은 고딕" charset="0"/>
+            </a:endParaRPr>
+          </a:p>
+        </p:txBody>
+      </p:sp>
+      <p:sp>
+        <p:nvSpPr>
+          <p:cNvPr id="4" name="텍스트 상자 2"/>
+          <p:cNvSpPr txBox="1">
+            <a:spLocks/>
+          </p:cNvSpPr>
+          <p:nvPr/>
+        </p:nvSpPr>
+        <p:spPr>
+          <a:xfrm rot="0">
+            <a:off x="10893425" y="173990"/>
+            <a:ext cx="564515" cy="859790"/>
+          </a:xfrm>
+          <a:prstGeom prst="rect"/>
+          <a:noFill/>
+          <a:ln w="0">
+            <a:noFill/>
+            <a:prstDash/>
+          </a:ln>
+        </p:spPr>
+        <p:txBody>
+          <a:bodyPr wrap="none" lIns="89535" tIns="46355" rIns="89535" bIns="46355" vert="eaVert" anchor="t">
+            <a:spAutoFit/>
+          </a:bodyPr>
+          <a:lstStyle/>
+          <a:p>
+            <a:pPr marL="0" indent="0" algn="l" hangingPunct="1"/>
+            <a:r>
+              <a:rPr sz="2500">
+                <a:latin typeface="맑은 고딕" charset="0"/>
+                <a:ea typeface="맑은 고딕" charset="0"/>
+              </a:rPr>
+              <a:t>큰 화면</a:t>
+            </a:r>
+            <a:endParaRPr lang="ko-KR" altLang="en-US" sz="2500">
+              <a:latin typeface="맑은 고딕" charset="0"/>
+              <a:ea typeface="맑은 고딕" charset="0"/>
+            </a:endParaRPr>
+          </a:p>
+        </p:txBody>
+      </p:sp>
     </p:spTree>
     <p:extLst>
       <p:ext uri="{BB962C8B-B14F-4D97-AF65-F5344CB8AC3E}">
@@ -3637,7 +3712,7 @@
 </file>
 
 <file path=ppt/slides/slide2.xml><?xml version="1.0" encoding="utf-8"?>
-<p:sld xmlns:a="http://schemas.openxmlformats.org/drawingml/2006/main" xmlns:r="http://schemas.openxmlformats.org/officeDocument/2006/relationships" xmlns:p="http://schemas.openxmlformats.org/presentationml/2006/main">
+<p:sld xmlns:a="http://schemas.openxmlformats.org/drawingml/2006/main" xmlns:r="http://schemas.openxmlformats.org/officeDocument/2006/relationships" xmlns:p="http://schemas.openxmlformats.org/presentationml/2006/main" xmlns:p14="http://schemas.microsoft.com/office/powerpoint/2010/main">
   <p:cSld>
     <p:spTree>
       <p:nvGrpSpPr>
@@ -3655,7 +3730,7 @@
       </p:grpSpPr>
       <p:pic>
         <p:nvPicPr>
-          <p:cNvPr id="2" name="그림 4" descr="C:/Users/s_dai/AppData/Roaming/PolarisOffice/ETemp/3884_18935136/fImage337507948467.png"/>
+          <p:cNvPr id="2" name="그림 4"/>
           <p:cNvPicPr>
             <a:picLocks noChangeAspect="1"/>
           </p:cNvPicPr>
@@ -3684,7 +3759,7 @@
       </p:pic>
       <p:pic>
         <p:nvPicPr>
-          <p:cNvPr id="3" name="그림 5" descr="C:/Users/s_dai/AppData/Roaming/PolarisOffice/ETemp/3884_18935136/fImage1181635956334.png"/>
+          <p:cNvPr id="3" name="그림 5"/>
           <p:cNvPicPr>
             <a:picLocks noChangeAspect="1"/>
           </p:cNvPicPr>
@@ -3711,6 +3786,47 @@
           <a:noFill/>
         </p:spPr>
       </p:pic>
+      <p:sp>
+        <p:nvSpPr>
+          <p:cNvPr id="4" name="텍스트 상자 3"/>
+          <p:cNvSpPr txBox="1">
+            <a:spLocks/>
+          </p:cNvSpPr>
+          <p:nvPr/>
+        </p:nvSpPr>
+        <p:spPr>
+          <a:xfrm rot="0">
+            <a:off x="10068560" y="252095"/>
+            <a:ext cx="564515" cy="2145030"/>
+          </a:xfrm>
+          <a:prstGeom prst="rect"/>
+          <a:noFill/>
+          <a:ln w="0">
+            <a:noFill/>
+            <a:prstDash/>
+          </a:ln>
+        </p:spPr>
+        <p:txBody>
+          <a:bodyPr wrap="square" lIns="89535" tIns="46355" rIns="89535" bIns="46355" vert="eaVert" anchor="t">
+            <a:spAutoFit/>
+          </a:bodyPr>
+          <a:lstStyle/>
+          <a:p>
+            <a:pPr marL="0" indent="0" algn="l" hangingPunct="1"/>
+            <a:r>
+              <a:rPr sz="2500">
+                <a:latin typeface="맑은 고딕" charset="0"/>
+                <a:ea typeface="맑은 고딕" charset="0"/>
+              </a:rPr>
+              <a:t>작은 화면</a:t>
+            </a:r>
+            <a:endParaRPr lang="ko-KR" altLang="en-US" sz="2500">
+              <a:latin typeface="맑은 고딕" charset="0"/>
+              <a:ea typeface="맑은 고딕" charset="0"/>
+            </a:endParaRPr>
+          </a:p>
+        </p:txBody>
+      </p:sp>
     </p:spTree>
   </p:cSld>
   <p:clrMapOvr>
@@ -3724,6 +3840,13 @@
       <p:transition spd="slow"/>
     </mc:Fallback>
   </mc:AlternateContent>
+  <p:timing>
+    <p:tnLst>
+      <p:par>
+        <p:cTn id="1" dur="indefinite" restart="never" nodeType="tmRoot"/>
+      </p:par>
+    </p:tnLst>
+  </p:timing>
 </p:sld>
 </file>
 
